--- a/ms-excel-toronto-monte-carlo.pptx
+++ b/ms-excel-toronto-monte-carlo.pptx
@@ -251,7 +251,7 @@
           <a:p>
             <a:fld id="{17A98A70-FA8C-4354-959C-C70678AC9BCF}" type="datetimeFigureOut">
               <a:rPr lang="en-US" smtClean="0"/>
-              <a:t>7/30/2024</a:t>
+              <a:t>9/11/2024</a:t>
             </a:fld>
             <a:endParaRPr lang="en-US"/>
           </a:p>
@@ -1742,7 +1742,7 @@
             <a:fld id="{1D8BD707-D9CF-40AE-B4C6-C98DA3205C09}" type="datetimeFigureOut">
               <a:rPr lang="en-US" smtClean="0"/>
               <a:pPr/>
-              <a:t>7/30/2024</a:t>
+              <a:t>9/11/2024</a:t>
             </a:fld>
             <a:endParaRPr lang="en-US"/>
           </a:p>
@@ -1907,7 +1907,7 @@
             <a:fld id="{1D8BD707-D9CF-40AE-B4C6-C98DA3205C09}" type="datetimeFigureOut">
               <a:rPr lang="en-US" smtClean="0"/>
               <a:pPr/>
-              <a:t>7/30/2024</a:t>
+              <a:t>9/11/2024</a:t>
             </a:fld>
             <a:endParaRPr lang="en-US"/>
           </a:p>
@@ -2082,7 +2082,7 @@
             <a:fld id="{1D8BD707-D9CF-40AE-B4C6-C98DA3205C09}" type="datetimeFigureOut">
               <a:rPr lang="en-US" smtClean="0"/>
               <a:pPr/>
-              <a:t>7/30/2024</a:t>
+              <a:t>9/11/2024</a:t>
             </a:fld>
             <a:endParaRPr lang="en-US"/>
           </a:p>
@@ -2247,7 +2247,7 @@
             <a:fld id="{1D8BD707-D9CF-40AE-B4C6-C98DA3205C09}" type="datetimeFigureOut">
               <a:rPr lang="en-US" smtClean="0"/>
               <a:pPr/>
-              <a:t>7/30/2024</a:t>
+              <a:t>9/11/2024</a:t>
             </a:fld>
             <a:endParaRPr lang="en-US"/>
           </a:p>
@@ -2489,7 +2489,7 @@
             <a:fld id="{1D8BD707-D9CF-40AE-B4C6-C98DA3205C09}" type="datetimeFigureOut">
               <a:rPr lang="en-US" smtClean="0"/>
               <a:pPr/>
-              <a:t>7/30/2024</a:t>
+              <a:t>9/11/2024</a:t>
             </a:fld>
             <a:endParaRPr lang="en-US"/>
           </a:p>
@@ -2771,7 +2771,7 @@
             <a:fld id="{1D8BD707-D9CF-40AE-B4C6-C98DA3205C09}" type="datetimeFigureOut">
               <a:rPr lang="en-US" smtClean="0"/>
               <a:pPr/>
-              <a:t>7/30/2024</a:t>
+              <a:t>9/11/2024</a:t>
             </a:fld>
             <a:endParaRPr lang="en-US"/>
           </a:p>
@@ -3187,7 +3187,7 @@
             <a:fld id="{1D8BD707-D9CF-40AE-B4C6-C98DA3205C09}" type="datetimeFigureOut">
               <a:rPr lang="en-US" smtClean="0"/>
               <a:pPr/>
-              <a:t>7/30/2024</a:t>
+              <a:t>9/11/2024</a:t>
             </a:fld>
             <a:endParaRPr lang="en-US"/>
           </a:p>
@@ -3301,7 +3301,7 @@
             <a:fld id="{1D8BD707-D9CF-40AE-B4C6-C98DA3205C09}" type="datetimeFigureOut">
               <a:rPr lang="en-US" smtClean="0"/>
               <a:pPr/>
-              <a:t>7/30/2024</a:t>
+              <a:t>9/11/2024</a:t>
             </a:fld>
             <a:endParaRPr lang="en-US"/>
           </a:p>
@@ -3393,7 +3393,7 @@
             <a:fld id="{1D8BD707-D9CF-40AE-B4C6-C98DA3205C09}" type="datetimeFigureOut">
               <a:rPr lang="en-US" smtClean="0"/>
               <a:pPr/>
-              <a:t>7/30/2024</a:t>
+              <a:t>9/11/2024</a:t>
             </a:fld>
             <a:endParaRPr lang="en-US"/>
           </a:p>
@@ -3665,7 +3665,7 @@
             <a:fld id="{1D8BD707-D9CF-40AE-B4C6-C98DA3205C09}" type="datetimeFigureOut">
               <a:rPr lang="en-US" smtClean="0"/>
               <a:pPr/>
-              <a:t>7/30/2024</a:t>
+              <a:t>9/11/2024</a:t>
             </a:fld>
             <a:endParaRPr lang="en-US"/>
           </a:p>
@@ -3914,7 +3914,7 @@
             <a:fld id="{1D8BD707-D9CF-40AE-B4C6-C98DA3205C09}" type="datetimeFigureOut">
               <a:rPr lang="en-US" smtClean="0"/>
               <a:pPr/>
-              <a:t>7/30/2024</a:t>
+              <a:t>9/11/2024</a:t>
             </a:fld>
             <a:endParaRPr lang="en-US"/>
           </a:p>
@@ -4127,7 +4127,7 @@
             <a:fld id="{1D8BD707-D9CF-40AE-B4C6-C98DA3205C09}" type="datetimeFigureOut">
               <a:rPr lang="en-US" smtClean="0"/>
               <a:pPr/>
-              <a:t>7/30/2024</a:t>
+              <a:t>9/11/2024</a:t>
             </a:fld>
             <a:endParaRPr lang="en-US"/>
           </a:p>
@@ -4786,7 +4786,7 @@
         <p:spPr>
           <a:xfrm>
             <a:off x="260431" y="329879"/>
-            <a:ext cx="8906720" cy="10234084"/>
+            <a:ext cx="8906720" cy="11012245"/>
           </a:xfrm>
           <a:prstGeom prst="rect">
             <a:avLst/>
@@ -4922,6 +4922,49 @@
             </a:r>
           </a:p>
           <a:p>
+            <a:pPr marL="1143000" lvl="1" indent="-542925">
+              <a:lnSpc>
+                <a:spcPct val="115000"/>
+              </a:lnSpc>
+              <a:spcBef>
+                <a:spcPts val="1125"/>
+              </a:spcBef>
+              <a:buClr>
+                <a:srgbClr val="C00000"/>
+              </a:buClr>
+              <a:buSzPts val="2100"/>
+              <a:buFont typeface="Arial"/>
+              <a:buAutoNum type="arabicPeriod"/>
+            </a:pPr>
+            <a:r>
+              <a:rPr lang="en-US" sz="3600" dirty="0">
+                <a:solidFill>
+                  <a:srgbClr val="C00000"/>
+                </a:solidFill>
+                <a:latin typeface="Pragmatica" panose="020B0403040502020204"/>
+                <a:sym typeface="Consolas"/>
+              </a:rPr>
+              <a:t>Experiment with </a:t>
+            </a:r>
+            <a:r>
+              <a:rPr lang="en-US" sz="3600">
+                <a:solidFill>
+                  <a:srgbClr val="C00000"/>
+                </a:solidFill>
+                <a:latin typeface="Pragmatica" panose="020B0403040502020204"/>
+                <a:sym typeface="Consolas"/>
+              </a:rPr>
+              <a:t># simulations!</a:t>
+            </a:r>
+            <a:endParaRPr lang="en-US" sz="3600" dirty="0">
+              <a:solidFill>
+                <a:srgbClr val="C00000"/>
+              </a:solidFill>
+              <a:latin typeface="Pragmatica" panose="020B0403040502020204"/>
+              <a:sym typeface="Consolas"/>
+            </a:endParaRPr>
+          </a:p>
+          <a:p>
             <a:pPr marL="142875">
               <a:lnSpc>
                 <a:spcPct val="115000"/>
@@ -4942,7 +4985,7 @@
                 <a:latin typeface="Pragmatica" panose="020B0403040502020204"/>
                 <a:sym typeface="Consolas"/>
               </a:rPr>
-              <a:t>File: </a:t>
+              <a:t>Worksheet: </a:t>
             </a:r>
             <a:r>
               <a:rPr lang="en-US" sz="3600" dirty="0">
@@ -4952,7 +4995,27 @@
                 <a:latin typeface="Consolas" panose="020B0609020204030204" pitchFamily="49" charset="0"/>
                 <a:sym typeface="Consolas"/>
               </a:rPr>
-              <a:t>monte-carlo-demos.xlsx</a:t>
+              <a:t>monte-</a:t>
+            </a:r>
+            <a:r>
+              <a:rPr lang="en-US" sz="3600" dirty="0" err="1">
+                <a:solidFill>
+                  <a:srgbClr val="C00000"/>
+                </a:solidFill>
+                <a:latin typeface="Consolas" panose="020B0609020204030204" pitchFamily="49" charset="0"/>
+                <a:sym typeface="Consolas"/>
+              </a:rPr>
+              <a:t>carlo</a:t>
+            </a:r>
+            <a:r>
+              <a:rPr lang="en-US" sz="3600" dirty="0">
+                <a:solidFill>
+                  <a:srgbClr val="C00000"/>
+                </a:solidFill>
+                <a:latin typeface="Consolas" panose="020B0609020204030204" pitchFamily="49" charset="0"/>
+                <a:sym typeface="Consolas"/>
+              </a:rPr>
+              <a:t>-exercise</a:t>
             </a:r>
             <a:endParaRPr lang="en-US" sz="6000" dirty="0">
               <a:solidFill>
@@ -5189,7 +5252,7 @@
                 <a:latin typeface="Pragmatica" panose="020B0403040502020204"/>
                 <a:sym typeface="Consolas"/>
               </a:rPr>
-              <a:t>File: </a:t>
+              <a:t>Worksheet: </a:t>
             </a:r>
             <a:r>
               <a:rPr lang="en-US" sz="3600" dirty="0">
@@ -5199,7 +5262,7 @@
                 <a:latin typeface="Consolas" panose="020B0609020204030204" pitchFamily="49" charset="0"/>
                 <a:sym typeface="Consolas"/>
               </a:rPr>
-              <a:t>monte-carlo-demos.xlsx</a:t>
+              <a:t>monte-carlo-2</a:t>
             </a:r>
             <a:endParaRPr lang="en-US" sz="6000" dirty="0">
               <a:solidFill>
@@ -5436,7 +5499,7 @@
                 <a:latin typeface="Pragmatica" panose="020B0403040502020204"/>
                 <a:sym typeface="Consolas"/>
               </a:rPr>
-              <a:t>File: </a:t>
+              <a:t>Worksheet: </a:t>
             </a:r>
             <a:r>
               <a:rPr lang="en-US" sz="3600" dirty="0">
@@ -5446,7 +5509,7 @@
                 <a:latin typeface="Consolas" panose="020B0609020204030204" pitchFamily="49" charset="0"/>
                 <a:sym typeface="Consolas"/>
               </a:rPr>
-              <a:t>monte-carlo-demos.xlsx</a:t>
+              <a:t>profit-path</a:t>
             </a:r>
             <a:endParaRPr lang="en-US" sz="6000" dirty="0">
               <a:solidFill>
@@ -7138,7 +7201,7 @@
         <p:spPr>
           <a:xfrm>
             <a:off x="260431" y="329879"/>
-            <a:ext cx="8906720" cy="6480236"/>
+            <a:ext cx="8906720" cy="9128205"/>
           </a:xfrm>
           <a:prstGeom prst="rect">
             <a:avLst/>
@@ -7222,6 +7285,29 @@
             </a:r>
           </a:p>
           <a:p>
+            <a:pPr marL="685800" indent="-542925">
+              <a:lnSpc>
+                <a:spcPct val="115000"/>
+              </a:lnSpc>
+              <a:spcBef>
+                <a:spcPts val="1125"/>
+              </a:spcBef>
+              <a:buClr>
+                <a:srgbClr val="C00000"/>
+              </a:buClr>
+              <a:buSzPts val="2100"/>
+              <a:buFont typeface="Arial"/>
+              <a:buAutoNum type="arabicPeriod"/>
+            </a:pPr>
+            <a:endParaRPr lang="en-US" sz="3600" dirty="0">
+              <a:solidFill>
+                <a:srgbClr val="C00000"/>
+              </a:solidFill>
+              <a:latin typeface="Pragmatica" panose="020B0403040502020204"/>
+              <a:sym typeface="Consolas"/>
+            </a:endParaRPr>
+          </a:p>
+          <a:p>
             <a:pPr marL="142875">
               <a:lnSpc>
                 <a:spcPct val="115000"/>
@@ -7242,7 +7328,7 @@
                 <a:latin typeface="Pragmatica" panose="020B0403040502020204"/>
                 <a:sym typeface="Consolas"/>
               </a:rPr>
-              <a:t>File: </a:t>
+              <a:t>Worksheet: </a:t>
             </a:r>
             <a:r>
               <a:rPr lang="en-US" sz="3600" dirty="0">
@@ -7252,21 +7338,86 @@
                 <a:latin typeface="Consolas" panose="020B0609020204030204" pitchFamily="49" charset="0"/>
                 <a:sym typeface="Consolas"/>
               </a:rPr>
-              <a:t>monte-carlo-demos.xlsx</a:t>
+              <a:t>faker</a:t>
+            </a:r>
+          </a:p>
+          <a:p>
+            <a:pPr marL="142875">
+              <a:lnSpc>
+                <a:spcPct val="115000"/>
+              </a:lnSpc>
+              <a:spcBef>
+                <a:spcPts val="1125"/>
+              </a:spcBef>
+              <a:buClr>
+                <a:srgbClr val="C00000"/>
+              </a:buClr>
+              <a:buSzPts val="2100"/>
+            </a:pPr>
+            <a:endParaRPr lang="en-US" sz="3600" dirty="0">
+              <a:solidFill>
+                <a:srgbClr val="C00000"/>
+              </a:solidFill>
+              <a:latin typeface="Pragmatica" panose="020B0403040502020204"/>
+              <a:sym typeface="Consolas"/>
+            </a:endParaRPr>
+          </a:p>
+          <a:p>
+            <a:pPr marL="142875">
+              <a:lnSpc>
+                <a:spcPct val="115000"/>
+              </a:lnSpc>
+              <a:spcBef>
+                <a:spcPts val="1125"/>
+              </a:spcBef>
+              <a:buClr>
+                <a:srgbClr val="C00000"/>
+              </a:buClr>
+              <a:buSzPts val="2100"/>
+            </a:pPr>
+            <a:r>
+              <a:rPr lang="en-US" sz="3600" dirty="0">
+                <a:solidFill>
+                  <a:srgbClr val="C00000"/>
+                </a:solidFill>
+                <a:latin typeface="Pragmatica" panose="020B0403040502020204"/>
+                <a:sym typeface="Consolas"/>
+              </a:rPr>
+              <a:t>Resource:  </a:t>
+            </a:r>
+            <a:r>
+              <a:rPr lang="en-US" sz="3600" dirty="0">
+                <a:solidFill>
+                  <a:srgbClr val="C00000"/>
+                </a:solidFill>
+                <a:latin typeface="Pragmatica" panose="020B0403040502020204"/>
+                <a:sym typeface="Consolas"/>
+                <a:hlinkClick r:id="rId4">
+                  <a:extLst>
+                    <a:ext uri="{A12FA001-AC4F-418D-AE19-62706E023703}">
+                      <ahyp:hlinkClr xmlns:ahyp="http://schemas.microsoft.com/office/drawing/2018/hyperlinkcolor" val="tx"/>
+                    </a:ext>
+                  </a:extLst>
+                </a:hlinkClick>
+              </a:rPr>
+              <a:t>https://stringfestanalytics.com/python-in-excel-how-to-generate-fake-data-with-faker/</a:t>
+            </a:r>
+            <a:r>
+              <a:rPr lang="en-US" sz="3600" dirty="0">
+                <a:solidFill>
+                  <a:srgbClr val="C00000"/>
+                </a:solidFill>
+                <a:latin typeface="Pragmatica" panose="020B0403040502020204"/>
+                <a:sym typeface="Consolas"/>
+              </a:rPr>
+              <a:t>  </a:t>
             </a:r>
             <a:endParaRPr lang="en-US" sz="6000" dirty="0">
               <a:solidFill>
-                <a:srgbClr val="CF3338"/>
-              </a:solidFill>
-              <a:latin typeface="Consolas" panose="020B0609020204030204" pitchFamily="49" charset="0"/>
-            </a:endParaRPr>
-          </a:p>
-          <a:p>
-            <a:endParaRPr lang="en-US" sz="6000" dirty="0">
-              <a:solidFill>
-                <a:srgbClr val="CF3338"/>
+                <a:srgbClr val="C00000"/>
               </a:solidFill>
               <a:latin typeface="Pragmatica" panose="020B0403040502020204" pitchFamily="34" charset="0"/>
+              <a:sym typeface="Consolas"/>
             </a:endParaRPr>
           </a:p>
         </p:txBody>
@@ -7385,7 +7536,7 @@
         <p:spPr>
           <a:xfrm>
             <a:off x="260431" y="329879"/>
-            <a:ext cx="8906720" cy="10052495"/>
+            <a:ext cx="8906720" cy="10689593"/>
           </a:xfrm>
           <a:prstGeom prst="rect">
             <a:avLst/>
@@ -7848,7 +7999,7 @@
                 <a:latin typeface="Pragmatica" panose="020B0403040502020204"/>
                 <a:sym typeface="Consolas"/>
               </a:rPr>
-              <a:t>File: </a:t>
+              <a:t>Worksheet: </a:t>
             </a:r>
             <a:r>
               <a:rPr lang="en-US" sz="3600" dirty="0">
@@ -7858,7 +8009,7 @@
                 <a:latin typeface="Consolas" panose="020B0609020204030204" pitchFamily="49" charset="0"/>
                 <a:sym typeface="Consolas"/>
               </a:rPr>
-              <a:t>monte-carlo-demos.xlsx</a:t>
+              <a:t>faker-exercise-solutions.xlsx</a:t>
             </a:r>
             <a:endParaRPr lang="en-US" sz="6000" dirty="0">
               <a:solidFill>
@@ -8259,7 +8410,7 @@
         <p:spPr>
           <a:xfrm>
             <a:off x="260431" y="329879"/>
-            <a:ext cx="8906720" cy="6621300"/>
+            <a:ext cx="8906720" cy="9310754"/>
           </a:xfrm>
           <a:prstGeom prst="rect">
             <a:avLst/>
@@ -8389,7 +8540,7 @@
                 <a:latin typeface="Pragmatica" panose="020B0403040502020204"/>
                 <a:sym typeface="Consolas"/>
               </a:rPr>
-              <a:t>File: </a:t>
+              <a:t>Worksheet: </a:t>
             </a:r>
             <a:r>
               <a:rPr lang="en-US" sz="3600" dirty="0">
@@ -8399,11 +8550,62 @@
                 <a:latin typeface="Consolas" panose="020B0609020204030204" pitchFamily="49" charset="0"/>
                 <a:sym typeface="Consolas"/>
               </a:rPr>
-              <a:t>monte-carlo-demos.xlsx</a:t>
+              <a:t>monte-carlo-1</a:t>
+            </a:r>
+          </a:p>
+          <a:p>
+            <a:pPr marL="142875">
+              <a:lnSpc>
+                <a:spcPct val="115000"/>
+              </a:lnSpc>
+              <a:spcBef>
+                <a:spcPts val="1125"/>
+              </a:spcBef>
+              <a:buClr>
+                <a:srgbClr val="C00000"/>
+              </a:buClr>
+              <a:buSzPts val="2100"/>
+            </a:pPr>
+            <a:r>
+              <a:rPr lang="en-US" sz="3600" dirty="0">
+                <a:solidFill>
+                  <a:srgbClr val="C00000"/>
+                </a:solidFill>
+                <a:latin typeface="Consolas" panose="020B0609020204030204" pitchFamily="49" charset="0"/>
+                <a:sym typeface="Consolas"/>
+              </a:rPr>
+              <a:t>Resource: </a:t>
+            </a:r>
+            <a:r>
+              <a:rPr lang="en-US" sz="3600" dirty="0">
+                <a:solidFill>
+                  <a:srgbClr val="C00000"/>
+                </a:solidFill>
+                <a:latin typeface="Consolas" panose="020B0609020204030204" pitchFamily="49" charset="0"/>
+                <a:sym typeface="Consolas"/>
+                <a:hlinkClick r:id="rId4">
+                  <a:extLst>
+                    <a:ext uri="{A12FA001-AC4F-418D-AE19-62706E023703}">
+                      <ahyp:hlinkClr xmlns:ahyp="http://schemas.microsoft.com/office/drawing/2018/hyperlinkcolor" val="tx"/>
+                    </a:ext>
+                  </a:extLst>
+                </a:hlinkClick>
+              </a:rPr>
+              <a:t>https://stringfestanalytics.com/python-in-excel-how-to-run-a-monte-carlo-simulation/</a:t>
+            </a:r>
+            <a:r>
+              <a:rPr lang="en-US" sz="3600" dirty="0">
+                <a:solidFill>
+                  <a:srgbClr val="C00000"/>
+                </a:solidFill>
+                <a:latin typeface="Consolas" panose="020B0609020204030204" pitchFamily="49" charset="0"/>
+                <a:sym typeface="Consolas"/>
+              </a:rPr>
+              <a:t>  </a:t>
             </a:r>
             <a:endParaRPr lang="en-US" sz="6000" dirty="0">
               <a:solidFill>
-                <a:srgbClr val="CF3338"/>
+                <a:srgbClr val="C00000"/>
               </a:solidFill>
               <a:latin typeface="Consolas" panose="020B0609020204030204" pitchFamily="49" charset="0"/>
             </a:endParaRPr>

--- a/ms-excel-toronto-monte-carlo.pptx
+++ b/ms-excel-toronto-monte-carlo.pptx
@@ -23,7 +23,7 @@
     <p:sldId id="414" r:id="rId14"/>
     <p:sldId id="421" r:id="rId15"/>
     <p:sldId id="422" r:id="rId16"/>
-    <p:sldId id="423" r:id="rId17"/>
+    <p:sldId id="434" r:id="rId17"/>
     <p:sldId id="427" r:id="rId18"/>
   </p:sldIdLst>
   <p:sldSz cx="18288000" cy="10287000"/>
@@ -251,7 +251,7 @@
           <a:p>
             <a:fld id="{17A98A70-FA8C-4354-959C-C70678AC9BCF}" type="datetimeFigureOut">
               <a:rPr lang="en-US" smtClean="0"/>
-              <a:t>9/11/2024</a:t>
+              <a:t>9/18/2024</a:t>
             </a:fld>
             <a:endParaRPr lang="en-US"/>
           </a:p>
@@ -1438,7 +1438,7 @@
         <p:cNvPr id="1" name="">
           <a:extLst>
             <a:ext uri="{FF2B5EF4-FFF2-40B4-BE49-F238E27FC236}">
-              <a16:creationId xmlns:a16="http://schemas.microsoft.com/office/drawing/2014/main" id="{0661BC68-0174-F8C0-C50A-CBF6F62B28EC}"/>
+              <a16:creationId xmlns:a16="http://schemas.microsoft.com/office/drawing/2014/main" id="{47A067ED-A016-57BA-D224-70AA46D93135}"/>
             </a:ext>
           </a:extLst>
         </p:cNvPr>
@@ -1458,7 +1458,7 @@
           <p:cNvPr id="2" name="Slide Image Placeholder 1">
             <a:extLst>
               <a:ext uri="{FF2B5EF4-FFF2-40B4-BE49-F238E27FC236}">
-                <a16:creationId xmlns:a16="http://schemas.microsoft.com/office/drawing/2014/main" id="{146C854B-CF29-7BDD-94FD-114500FBA305}"/>
+                <a16:creationId xmlns:a16="http://schemas.microsoft.com/office/drawing/2014/main" id="{0651CB7E-3B46-E09F-5FB1-F9BF1476F2B6}"/>
               </a:ext>
             </a:extLst>
           </p:cNvPr>
@@ -1476,7 +1476,7 @@
           <p:cNvPr id="3" name="Notes Placeholder 2">
             <a:extLst>
               <a:ext uri="{FF2B5EF4-FFF2-40B4-BE49-F238E27FC236}">
-                <a16:creationId xmlns:a16="http://schemas.microsoft.com/office/drawing/2014/main" id="{2104F923-8149-669B-8A7E-EE096ABBBE6A}"/>
+                <a16:creationId xmlns:a16="http://schemas.microsoft.com/office/drawing/2014/main" id="{908012CA-E0D6-FD3E-20B8-D1A73D2FD5EC}"/>
               </a:ext>
             </a:extLst>
           </p:cNvPr>
@@ -1525,7 +1525,7 @@
           <p:cNvPr id="4" name="Slide Number Placeholder 3">
             <a:extLst>
               <a:ext uri="{FF2B5EF4-FFF2-40B4-BE49-F238E27FC236}">
-                <a16:creationId xmlns:a16="http://schemas.microsoft.com/office/drawing/2014/main" id="{B3DA4164-01C7-E08C-3915-665021C9829F}"/>
+                <a16:creationId xmlns:a16="http://schemas.microsoft.com/office/drawing/2014/main" id="{7B19E27F-BF8C-B30E-1836-79F668127F37}"/>
               </a:ext>
             </a:extLst>
           </p:cNvPr>
@@ -1552,7 +1552,7 @@
     </p:spTree>
     <p:extLst>
       <p:ext uri="{BB962C8B-B14F-4D97-AF65-F5344CB8AC3E}">
-        <p14:creationId xmlns:p14="http://schemas.microsoft.com/office/powerpoint/2010/main" val="3922983878"/>
+        <p14:creationId xmlns:p14="http://schemas.microsoft.com/office/powerpoint/2010/main" val="2557959449"/>
       </p:ext>
     </p:extLst>
   </p:cSld>
@@ -1742,7 +1742,7 @@
             <a:fld id="{1D8BD707-D9CF-40AE-B4C6-C98DA3205C09}" type="datetimeFigureOut">
               <a:rPr lang="en-US" smtClean="0"/>
               <a:pPr/>
-              <a:t>9/11/2024</a:t>
+              <a:t>9/18/2024</a:t>
             </a:fld>
             <a:endParaRPr lang="en-US"/>
           </a:p>
@@ -1907,7 +1907,7 @@
             <a:fld id="{1D8BD707-D9CF-40AE-B4C6-C98DA3205C09}" type="datetimeFigureOut">
               <a:rPr lang="en-US" smtClean="0"/>
               <a:pPr/>
-              <a:t>9/11/2024</a:t>
+              <a:t>9/18/2024</a:t>
             </a:fld>
             <a:endParaRPr lang="en-US"/>
           </a:p>
@@ -2082,7 +2082,7 @@
             <a:fld id="{1D8BD707-D9CF-40AE-B4C6-C98DA3205C09}" type="datetimeFigureOut">
               <a:rPr lang="en-US" smtClean="0"/>
               <a:pPr/>
-              <a:t>9/11/2024</a:t>
+              <a:t>9/18/2024</a:t>
             </a:fld>
             <a:endParaRPr lang="en-US"/>
           </a:p>
@@ -2247,7 +2247,7 @@
             <a:fld id="{1D8BD707-D9CF-40AE-B4C6-C98DA3205C09}" type="datetimeFigureOut">
               <a:rPr lang="en-US" smtClean="0"/>
               <a:pPr/>
-              <a:t>9/11/2024</a:t>
+              <a:t>9/18/2024</a:t>
             </a:fld>
             <a:endParaRPr lang="en-US"/>
           </a:p>
@@ -2489,7 +2489,7 @@
             <a:fld id="{1D8BD707-D9CF-40AE-B4C6-C98DA3205C09}" type="datetimeFigureOut">
               <a:rPr lang="en-US" smtClean="0"/>
               <a:pPr/>
-              <a:t>9/11/2024</a:t>
+              <a:t>9/18/2024</a:t>
             </a:fld>
             <a:endParaRPr lang="en-US"/>
           </a:p>
@@ -2771,7 +2771,7 @@
             <a:fld id="{1D8BD707-D9CF-40AE-B4C6-C98DA3205C09}" type="datetimeFigureOut">
               <a:rPr lang="en-US" smtClean="0"/>
               <a:pPr/>
-              <a:t>9/11/2024</a:t>
+              <a:t>9/18/2024</a:t>
             </a:fld>
             <a:endParaRPr lang="en-US"/>
           </a:p>
@@ -3187,7 +3187,7 @@
             <a:fld id="{1D8BD707-D9CF-40AE-B4C6-C98DA3205C09}" type="datetimeFigureOut">
               <a:rPr lang="en-US" smtClean="0"/>
               <a:pPr/>
-              <a:t>9/11/2024</a:t>
+              <a:t>9/18/2024</a:t>
             </a:fld>
             <a:endParaRPr lang="en-US"/>
           </a:p>
@@ -3301,7 +3301,7 @@
             <a:fld id="{1D8BD707-D9CF-40AE-B4C6-C98DA3205C09}" type="datetimeFigureOut">
               <a:rPr lang="en-US" smtClean="0"/>
               <a:pPr/>
-              <a:t>9/11/2024</a:t>
+              <a:t>9/18/2024</a:t>
             </a:fld>
             <a:endParaRPr lang="en-US"/>
           </a:p>
@@ -3393,7 +3393,7 @@
             <a:fld id="{1D8BD707-D9CF-40AE-B4C6-C98DA3205C09}" type="datetimeFigureOut">
               <a:rPr lang="en-US" smtClean="0"/>
               <a:pPr/>
-              <a:t>9/11/2024</a:t>
+              <a:t>9/18/2024</a:t>
             </a:fld>
             <a:endParaRPr lang="en-US"/>
           </a:p>
@@ -3665,7 +3665,7 @@
             <a:fld id="{1D8BD707-D9CF-40AE-B4C6-C98DA3205C09}" type="datetimeFigureOut">
               <a:rPr lang="en-US" smtClean="0"/>
               <a:pPr/>
-              <a:t>9/11/2024</a:t>
+              <a:t>9/18/2024</a:t>
             </a:fld>
             <a:endParaRPr lang="en-US"/>
           </a:p>
@@ -3914,7 +3914,7 @@
             <a:fld id="{1D8BD707-D9CF-40AE-B4C6-C98DA3205C09}" type="datetimeFigureOut">
               <a:rPr lang="en-US" smtClean="0"/>
               <a:pPr/>
-              <a:t>9/11/2024</a:t>
+              <a:t>9/18/2024</a:t>
             </a:fld>
             <a:endParaRPr lang="en-US"/>
           </a:p>
@@ -4127,7 +4127,7 @@
             <a:fld id="{1D8BD707-D9CF-40AE-B4C6-C98DA3205C09}" type="datetimeFigureOut">
               <a:rPr lang="en-US" smtClean="0"/>
               <a:pPr/>
-              <a:t>9/11/2024</a:t>
+              <a:t>9/18/2024</a:t>
             </a:fld>
             <a:endParaRPr lang="en-US"/>
           </a:p>
@@ -5824,7 +5824,7 @@
         <p:spPr>
           <a:xfrm>
             <a:off x="260431" y="329879"/>
-            <a:ext cx="8906720" cy="1015663"/>
+            <a:ext cx="8906720" cy="1938992"/>
           </a:xfrm>
           <a:prstGeom prst="rect">
             <a:avLst/>
@@ -5855,12 +5855,17 @@
               </a:rPr>
               <a:t>Python for Excel</a:t>
             </a:r>
-            <a:endParaRPr lang="en-US" sz="6000" b="1" dirty="0">
-              <a:solidFill>
-                <a:srgbClr val="CF3338"/>
-              </a:solidFill>
-              <a:latin typeface="Pragmatica" panose="020B0403040502020204" pitchFamily="34" charset="0"/>
-            </a:endParaRPr>
+          </a:p>
+          <a:p>
+            <a:r>
+              <a:rPr lang="en-US" sz="6000" b="1" dirty="0">
+                <a:solidFill>
+                  <a:srgbClr val="CF3338"/>
+                </a:solidFill>
+                <a:latin typeface="Pragmatica" panose="020B0403040502020204" pitchFamily="34" charset="0"/>
+              </a:rPr>
+              <a:t>xlwings.org/book</a:t>
+            </a:r>
           </a:p>
         </p:txBody>
       </p:sp>
@@ -5893,8 +5898,8 @@
         </p:blipFill>
         <p:spPr bwMode="auto">
           <a:xfrm>
-            <a:off x="762000" y="1790700"/>
-            <a:ext cx="6096000" cy="8001000"/>
+            <a:off x="762000" y="4457700"/>
+            <a:ext cx="4064000" cy="5334000"/>
           </a:xfrm>
           <a:prstGeom prst="rect">
             <a:avLst/>
@@ -6049,7 +6054,7 @@
         <p:spPr>
           <a:xfrm>
             <a:off x="260431" y="329879"/>
-            <a:ext cx="8906720" cy="1938992"/>
+            <a:ext cx="8906720" cy="2769989"/>
           </a:xfrm>
           <a:prstGeom prst="rect">
             <a:avLst/>
@@ -6080,12 +6085,17 @@
               </a:rPr>
               <a:t>Advancing into Analytics</a:t>
             </a:r>
-            <a:endParaRPr lang="en-US" sz="6000" b="1" dirty="0">
-              <a:solidFill>
-                <a:srgbClr val="CF3338"/>
-              </a:solidFill>
-              <a:latin typeface="Pragmatica" panose="020B0403040502020204" pitchFamily="34" charset="0"/>
-            </a:endParaRPr>
+          </a:p>
+          <a:p>
+            <a:r>
+              <a:rPr lang="en-US" sz="5400" b="1" dirty="0">
+                <a:solidFill>
+                  <a:srgbClr val="CF3338"/>
+                </a:solidFill>
+                <a:latin typeface="Pragmatica" panose="020B0403040502020204" pitchFamily="34" charset="0"/>
+              </a:rPr>
+              <a:t>stringfestanalytics.com/book/</a:t>
+            </a:r>
           </a:p>
         </p:txBody>
       </p:sp>
@@ -6118,8 +6128,8 @@
         </p:blipFill>
         <p:spPr bwMode="auto">
           <a:xfrm>
-            <a:off x="381000" y="2544068"/>
-            <a:ext cx="5715000" cy="7500938"/>
+            <a:off x="381000" y="4744342"/>
+            <a:ext cx="4038600" cy="5300663"/>
           </a:xfrm>
           <a:prstGeom prst="rect">
             <a:avLst/>
@@ -6157,7 +6167,7 @@
         <p:cNvPr id="1" name="">
           <a:extLst>
             <a:ext uri="{FF2B5EF4-FFF2-40B4-BE49-F238E27FC236}">
-              <a16:creationId xmlns:a16="http://schemas.microsoft.com/office/drawing/2014/main" id="{5D488E77-04E4-08C7-1031-1F498D077B51}"/>
+              <a16:creationId xmlns:a16="http://schemas.microsoft.com/office/drawing/2014/main" id="{46D09396-561B-D643-3556-69CA2D751CD8}"/>
             </a:ext>
           </a:extLst>
         </p:cNvPr>
@@ -6177,7 +6187,7 @@
           <p:cNvPr id="4" name="Rectangle 3">
             <a:extLst>
               <a:ext uri="{FF2B5EF4-FFF2-40B4-BE49-F238E27FC236}">
-                <a16:creationId xmlns:a16="http://schemas.microsoft.com/office/drawing/2014/main" id="{E5ABA32D-D202-8170-BD82-0F9E54BD20DE}"/>
+                <a16:creationId xmlns:a16="http://schemas.microsoft.com/office/drawing/2014/main" id="{EFDC6CDF-AB13-8B48-8A7F-18C08F171B56}"/>
               </a:ext>
             </a:extLst>
           </p:cNvPr>
@@ -6229,7 +6239,7 @@
           <p:cNvPr id="2" name="Picture 1">
             <a:extLst>
               <a:ext uri="{FF2B5EF4-FFF2-40B4-BE49-F238E27FC236}">
-                <a16:creationId xmlns:a16="http://schemas.microsoft.com/office/drawing/2014/main" id="{EBD18E09-E000-229F-A637-05EF0B5D1162}"/>
+                <a16:creationId xmlns:a16="http://schemas.microsoft.com/office/drawing/2014/main" id="{B2D9A9A4-C796-26A2-980A-3CB93CCBCF29}"/>
               </a:ext>
             </a:extLst>
           </p:cNvPr>
@@ -6264,7 +6274,7 @@
           <p:cNvPr id="3" name="TextBox 2">
             <a:extLst>
               <a:ext uri="{FF2B5EF4-FFF2-40B4-BE49-F238E27FC236}">
-                <a16:creationId xmlns:a16="http://schemas.microsoft.com/office/drawing/2014/main" id="{8EFCBB0D-A4EB-2FCE-A90E-3128C6AA641C}"/>
+                <a16:creationId xmlns:a16="http://schemas.microsoft.com/office/drawing/2014/main" id="{C4800D93-3A4B-596D-7938-DEAD013A776E}"/>
               </a:ext>
             </a:extLst>
           </p:cNvPr>
@@ -6274,7 +6284,7 @@
         <p:spPr>
           <a:xfrm>
             <a:off x="260431" y="329879"/>
-            <a:ext cx="8906720" cy="5200911"/>
+            <a:ext cx="8906720" cy="2769989"/>
           </a:xfrm>
           <a:prstGeom prst="rect">
             <a:avLst/>
@@ -6294,57 +6304,82 @@
                 </a:solidFill>
                 <a:latin typeface="Pragmatica" panose="020B0403040502020204" pitchFamily="34" charset="0"/>
               </a:rPr>
-              <a:t>Resource: stringfestanalytics.com</a:t>
-            </a:r>
-          </a:p>
-          <a:p>
-            <a:endParaRPr lang="en-US" sz="6000" b="1" dirty="0">
-              <a:solidFill>
-                <a:srgbClr val="CF3338"/>
-              </a:solidFill>
-              <a:latin typeface="Pragmatica" panose="020B0403040502020204" pitchFamily="34" charset="0"/>
-            </a:endParaRPr>
-          </a:p>
-          <a:p>
-            <a:pPr marL="714375" indent="-571500">
-              <a:lnSpc>
-                <a:spcPct val="115000"/>
-              </a:lnSpc>
-              <a:spcBef>
-                <a:spcPts val="1125"/>
-              </a:spcBef>
-              <a:buClr>
-                <a:srgbClr val="C00000"/>
-              </a:buClr>
-              <a:buSzPts val="2100"/>
-              <a:buFont typeface="Arial" panose="020B0604020202020204" pitchFamily="34" charset="0"/>
-              <a:buChar char="•"/>
-            </a:pPr>
-            <a:r>
-              <a:rPr lang="en-US" sz="3600" dirty="0">
-                <a:solidFill>
-                  <a:srgbClr val="C00000"/>
-                </a:solidFill>
-                <a:latin typeface="Pragmatica" panose="020B0403040502020204"/>
-                <a:sym typeface="Consolas"/>
+              <a:t>Resource: </a:t>
+            </a:r>
+            <a:r>
+              <a:rPr lang="en-US" sz="6000" b="1" i="1" dirty="0">
+                <a:solidFill>
+                  <a:srgbClr val="CF3338"/>
+                </a:solidFill>
+                <a:latin typeface="Pragmatica" panose="020B0403040502020204" pitchFamily="34" charset="0"/>
               </a:rPr>
-              <a:t>Subscribe for updates &amp; access to my data analytics learning resource library</a:t>
-            </a:r>
-          </a:p>
-          <a:p>
-            <a:endParaRPr lang="en-US" sz="6000" dirty="0">
-              <a:solidFill>
-                <a:srgbClr val="CF3338"/>
-              </a:solidFill>
-              <a:latin typeface="Pragmatica" panose="020B0403040502020204" pitchFamily="34" charset="0"/>
-            </a:endParaRPr>
-          </a:p>
-        </p:txBody>
-      </p:sp>
+              <a:t>Modern Data Analytics in Excel</a:t>
+            </a:r>
+          </a:p>
+          <a:p>
+            <a:r>
+              <a:rPr lang="en-US" sz="4800" b="1" dirty="0">
+                <a:solidFill>
+                  <a:srgbClr val="CF3338"/>
+                </a:solidFill>
+                <a:latin typeface="Pragmatica" panose="020B0403040502020204" pitchFamily="34" charset="0"/>
+              </a:rPr>
+              <a:t>stringfestanalytics.com/maxl/</a:t>
+            </a:r>
+          </a:p>
+        </p:txBody>
+      </p:sp>
+      <p:pic>
+        <p:nvPicPr>
+          <p:cNvPr id="1026" name="Picture 2" descr="Modern data analytics in Excel book cover">
+            <a:extLst>
+              <a:ext uri="{FF2B5EF4-FFF2-40B4-BE49-F238E27FC236}">
+                <a16:creationId xmlns:a16="http://schemas.microsoft.com/office/drawing/2014/main" id="{BB7BC788-6AFA-FB4E-776D-396CA95F757F}"/>
+              </a:ext>
+            </a:extLst>
+          </p:cNvPr>
+          <p:cNvPicPr>
+            <a:picLocks noChangeAspect="1" noChangeArrowheads="1"/>
+          </p:cNvPicPr>
+          <p:nvPr/>
+        </p:nvPicPr>
+        <p:blipFill>
+          <a:blip r:embed="rId4">
+            <a:extLst>
+              <a:ext uri="{28A0092B-C50C-407E-A947-70E740481C1C}">
+                <a14:useLocalDpi xmlns:a14="http://schemas.microsoft.com/office/drawing/2010/main" val="0"/>
+              </a:ext>
+            </a:extLst>
+          </a:blip>
+          <a:srcRect/>
+          <a:stretch>
+            <a:fillRect/>
+          </a:stretch>
+        </p:blipFill>
+        <p:spPr bwMode="auto">
+          <a:xfrm>
+            <a:off x="609600" y="3761035"/>
+            <a:ext cx="4724399" cy="6196087"/>
+          </a:xfrm>
+          <a:prstGeom prst="rect">
+            <a:avLst/>
+          </a:prstGeom>
+          <a:noFill/>
+          <a:extLst>
+            <a:ext uri="{909E8E84-426E-40DD-AFC4-6F175D3DCCD1}">
+              <a14:hiddenFill xmlns:a14="http://schemas.microsoft.com/office/drawing/2010/main">
+                <a:solidFill>
+                  <a:srgbClr val="FFFFFF"/>
+                </a:solidFill>
+              </a14:hiddenFill>
+            </a:ext>
+          </a:extLst>
+        </p:spPr>
+      </p:pic>
     </p:spTree>
     <p:extLst>
       <p:ext uri="{BB962C8B-B14F-4D97-AF65-F5344CB8AC3E}">
-        <p14:creationId xmlns:p14="http://schemas.microsoft.com/office/powerpoint/2010/main" val="1994395854"/>
+        <p14:creationId xmlns:p14="http://schemas.microsoft.com/office/powerpoint/2010/main" val="441630135"/>
       </p:ext>
     </p:extLst>
   </p:cSld>
